--- a/Praesentationen/Video-Deepfakes.pptx
+++ b/Praesentationen/Video-Deepfakes.pptx
@@ -5,7 +5,7 @@
     <p:sldMasterId id="2147483648" r:id="rId1"/>
   </p:sldMasterIdLst>
   <p:notesMasterIdLst>
-    <p:notesMasterId r:id="rId12"/>
+    <p:notesMasterId r:id="rId14"/>
   </p:notesMasterIdLst>
   <p:sldIdLst>
     <p:sldId id="258" r:id="rId2"/>
@@ -13,11 +13,13 @@
     <p:sldId id="300" r:id="rId4"/>
     <p:sldId id="301" r:id="rId5"/>
     <p:sldId id="302" r:id="rId6"/>
-    <p:sldId id="303" r:id="rId7"/>
-    <p:sldId id="304" r:id="rId8"/>
-    <p:sldId id="305" r:id="rId9"/>
-    <p:sldId id="306" r:id="rId10"/>
-    <p:sldId id="297" r:id="rId11"/>
+    <p:sldId id="307" r:id="rId7"/>
+    <p:sldId id="308" r:id="rId8"/>
+    <p:sldId id="303" r:id="rId9"/>
+    <p:sldId id="304" r:id="rId10"/>
+    <p:sldId id="305" r:id="rId11"/>
+    <p:sldId id="306" r:id="rId12"/>
+    <p:sldId id="309" r:id="rId13"/>
   </p:sldIdLst>
   <p:sldSz cx="12192000" cy="6858000"/>
   <p:notesSz cx="6858000" cy="9144000"/>
@@ -3023,61 +3025,126 @@
       </p:grpSpPr>
       <p:sp>
         <p:nvSpPr>
-          <p:cNvPr id="2" name="Titel 1"/>
-          <p:cNvSpPr>
-            <a:spLocks noGrp="1"/>
-          </p:cNvSpPr>
-          <p:nvPr>
-            <p:ph type="title"/>
-          </p:nvPr>
-        </p:nvSpPr>
-        <p:spPr/>
-        <p:txBody>
-          <a:bodyPr/>
-          <a:lstStyle/>
-          <a:p>
-            <a:r>
-              <a:rPr lang="de-DE" dirty="0"/>
-              <a:t>Hochschulfarben</a:t>
-            </a:r>
-          </a:p>
-        </p:txBody>
-      </p:sp>
-      <p:pic>
-        <p:nvPicPr>
-          <p:cNvPr id="7" name="Inhaltsplatzhalter 10"/>
-          <p:cNvPicPr>
-            <a:picLocks noGrp="1" noChangeAspect="1"/>
-          </p:cNvPicPr>
-          <p:nvPr>
-            <p:ph idx="4294967295"/>
-          </p:nvPr>
-        </p:nvPicPr>
-        <p:blipFill>
-          <a:blip r:embed="rId2">
+          <p:cNvPr id="2" name="Inhaltsplatzhalter 1">
             <a:extLst>
-              <a:ext uri="{28A0092B-C50C-407E-A947-70E740481C1C}">
-                <a14:useLocalDpi xmlns:a14="http://schemas.microsoft.com/office/drawing/2010/main" val="0"/>
+              <a:ext uri="{FF2B5EF4-FFF2-40B4-BE49-F238E27FC236}">
+                <a16:creationId xmlns:a16="http://schemas.microsoft.com/office/drawing/2014/main" id="{6DFE8F02-05DE-485F-8FB7-D54CAFDF5CCC}"/>
               </a:ext>
             </a:extLst>
-          </a:blip>
-          <a:stretch>
-            <a:fillRect/>
-          </a:stretch>
-        </p:blipFill>
-        <p:spPr>
-          <a:xfrm>
-            <a:off x="458736" y="1283151"/>
-            <a:ext cx="8642350" cy="5024199"/>
-          </a:xfrm>
-          <a:prstGeom prst="rect">
-            <a:avLst/>
-          </a:prstGeom>
-        </p:spPr>
-      </p:pic>
-      <p:sp>
-        <p:nvSpPr>
-          <p:cNvPr id="3" name="Datumsplatzhalter 2"/>
+          </p:cNvPr>
+          <p:cNvSpPr>
+            <a:spLocks noGrp="1"/>
+          </p:cNvSpPr>
+          <p:nvPr>
+            <p:ph idx="13"/>
+          </p:nvPr>
+        </p:nvSpPr>
+        <p:spPr/>
+        <p:txBody>
+          <a:bodyPr/>
+          <a:lstStyle/>
+          <a:p>
+            <a:r>
+              <a:rPr lang="de-DE" b="1" dirty="0"/>
+              <a:t>Datensammlung:</a:t>
+            </a:r>
+            <a:r>
+              <a:rPr lang="de-DE" dirty="0"/>
+              <a:t> Sammeln von Video- und Bildmaterial.</a:t>
+            </a:r>
+          </a:p>
+          <a:p>
+            <a:r>
+              <a:rPr lang="de-DE" b="1" dirty="0" err="1"/>
+              <a:t>Extraction</a:t>
+            </a:r>
+            <a:r>
+              <a:rPr lang="de-DE" b="1" dirty="0"/>
+              <a:t>:</a:t>
+            </a:r>
+            <a:r>
+              <a:rPr lang="de-DE" dirty="0"/>
+              <a:t> Gesichtsextraktion und Vorbereitung der Daten.</a:t>
+            </a:r>
+          </a:p>
+          <a:p>
+            <a:r>
+              <a:rPr lang="de-DE" b="1" dirty="0"/>
+              <a:t>Training: </a:t>
+            </a:r>
+            <a:r>
+              <a:rPr lang="de-DE" dirty="0"/>
+              <a:t>Trainieren eines Modells auf Basis der gesammelten Daten.</a:t>
+            </a:r>
+          </a:p>
+          <a:p>
+            <a:r>
+              <a:rPr lang="de-DE" b="1" dirty="0" err="1"/>
+              <a:t>Conversion</a:t>
+            </a:r>
+            <a:r>
+              <a:rPr lang="de-DE" b="1" dirty="0"/>
+              <a:t>/</a:t>
+            </a:r>
+            <a:r>
+              <a:rPr lang="de-DE" b="1" dirty="0" err="1"/>
+              <a:t>Merging</a:t>
+            </a:r>
+            <a:r>
+              <a:rPr lang="de-DE" b="1" dirty="0"/>
+              <a:t>: </a:t>
+            </a:r>
+            <a:r>
+              <a:rPr lang="de-DE" dirty="0"/>
+              <a:t>Anwenden des trainierten Modells auf das Zielvideo.</a:t>
+            </a:r>
+          </a:p>
+        </p:txBody>
+      </p:sp>
+      <p:sp>
+        <p:nvSpPr>
+          <p:cNvPr id="3" name="Titel 2">
+            <a:extLst>
+              <a:ext uri="{FF2B5EF4-FFF2-40B4-BE49-F238E27FC236}">
+                <a16:creationId xmlns:a16="http://schemas.microsoft.com/office/drawing/2014/main" id="{38B7A1D5-AC27-4E87-BB6F-5E6F059AB9D9}"/>
+              </a:ext>
+            </a:extLst>
+          </p:cNvPr>
+          <p:cNvSpPr>
+            <a:spLocks noGrp="1"/>
+          </p:cNvSpPr>
+          <p:nvPr>
+            <p:ph type="title"/>
+          </p:nvPr>
+        </p:nvSpPr>
+        <p:spPr/>
+        <p:txBody>
+          <a:bodyPr>
+            <a:normAutofit/>
+          </a:bodyPr>
+          <a:lstStyle/>
+          <a:p>
+            <a:r>
+              <a:rPr lang="de-DE" dirty="0"/>
+              <a:t>Workflow – </a:t>
+            </a:r>
+            <a:r>
+              <a:rPr lang="de-DE" dirty="0" err="1"/>
+              <a:t>DeepFaceLab</a:t>
+            </a:r>
+            <a:endParaRPr lang="de-DE" dirty="0"/>
+          </a:p>
+        </p:txBody>
+      </p:sp>
+      <p:sp>
+        <p:nvSpPr>
+          <p:cNvPr id="4" name="Datumsplatzhalter 3">
+            <a:extLst>
+              <a:ext uri="{FF2B5EF4-FFF2-40B4-BE49-F238E27FC236}">
+                <a16:creationId xmlns:a16="http://schemas.microsoft.com/office/drawing/2014/main" id="{68A5F01D-A990-4038-B85B-BA1E16A29385}"/>
+              </a:ext>
+            </a:extLst>
+          </p:cNvPr>
           <p:cNvSpPr>
             <a:spLocks noGrp="1"/>
           </p:cNvSpPr>
@@ -3090,7 +3157,7 @@
           <a:bodyPr/>
           <a:lstStyle/>
           <a:p>
-            <a:fld id="{C1791268-E685-4C32-8CF6-8365BB2733E3}" type="datetime1">
+            <a:fld id="{98F3FFE7-5A7D-4390-885E-700117EB97E8}" type="datetime1">
               <a:rPr lang="de-DE" smtClean="0"/>
               <a:t>10.08.2024</a:t>
             </a:fld>
@@ -3100,7 +3167,13 @@
       </p:sp>
       <p:sp>
         <p:nvSpPr>
-          <p:cNvPr id="4" name="Foliennummernplatzhalter 3"/>
+          <p:cNvPr id="5" name="Foliennummernplatzhalter 4">
+            <a:extLst>
+              <a:ext uri="{FF2B5EF4-FFF2-40B4-BE49-F238E27FC236}">
+                <a16:creationId xmlns:a16="http://schemas.microsoft.com/office/drawing/2014/main" id="{5B76F281-F254-426A-929A-3CCB68F891E5}"/>
+              </a:ext>
+            </a:extLst>
+          </p:cNvPr>
           <p:cNvSpPr>
             <a:spLocks noGrp="1"/>
           </p:cNvSpPr>
@@ -3124,7 +3197,414 @@
     </p:spTree>
     <p:extLst>
       <p:ext uri="{BB962C8B-B14F-4D97-AF65-F5344CB8AC3E}">
-        <p14:creationId xmlns:p14="http://schemas.microsoft.com/office/powerpoint/2010/main" val="3689816686"/>
+        <p14:creationId xmlns:p14="http://schemas.microsoft.com/office/powerpoint/2010/main" val="3348532441"/>
+      </p:ext>
+    </p:extLst>
+  </p:cSld>
+  <p:clrMapOvr>
+    <a:masterClrMapping/>
+  </p:clrMapOvr>
+</p:sld>
+</file>
+
+<file path=ppt/slides/slide11.xml><?xml version="1.0" encoding="utf-8"?>
+<p:sld xmlns:a="http://schemas.openxmlformats.org/drawingml/2006/main" xmlns:r="http://schemas.openxmlformats.org/officeDocument/2006/relationships" xmlns:p="http://schemas.openxmlformats.org/presentationml/2006/main">
+  <p:cSld>
+    <p:spTree>
+      <p:nvGrpSpPr>
+        <p:cNvPr id="1" name=""/>
+        <p:cNvGrpSpPr/>
+        <p:nvPr/>
+      </p:nvGrpSpPr>
+      <p:grpSpPr>
+        <a:xfrm>
+          <a:off x="0" y="0"/>
+          <a:ext cx="0" cy="0"/>
+          <a:chOff x="0" y="0"/>
+          <a:chExt cx="0" cy="0"/>
+        </a:xfrm>
+      </p:grpSpPr>
+      <p:sp>
+        <p:nvSpPr>
+          <p:cNvPr id="2" name="Inhaltsplatzhalter 1">
+            <a:extLst>
+              <a:ext uri="{FF2B5EF4-FFF2-40B4-BE49-F238E27FC236}">
+                <a16:creationId xmlns:a16="http://schemas.microsoft.com/office/drawing/2014/main" id="{4FF33514-905F-478B-B086-4C17FB7A8AF9}"/>
+              </a:ext>
+            </a:extLst>
+          </p:cNvPr>
+          <p:cNvSpPr>
+            <a:spLocks noGrp="1"/>
+          </p:cNvSpPr>
+          <p:nvPr>
+            <p:ph idx="13"/>
+          </p:nvPr>
+        </p:nvSpPr>
+        <p:spPr/>
+        <p:txBody>
+          <a:bodyPr/>
+          <a:lstStyle/>
+          <a:p>
+            <a:r>
+              <a:rPr lang="de-DE" b="1" dirty="0"/>
+              <a:t>Data Source: </a:t>
+            </a:r>
+            <a:r>
+              <a:rPr lang="de-DE" dirty="0"/>
+              <a:t>Eingangsdaten als Video oder Stream</a:t>
+            </a:r>
+          </a:p>
+          <a:p>
+            <a:r>
+              <a:rPr lang="de-DE" b="1" dirty="0" err="1"/>
+              <a:t>Detection</a:t>
+            </a:r>
+            <a:r>
+              <a:rPr lang="de-DE" b="1" dirty="0"/>
+              <a:t>, Alignment und </a:t>
+            </a:r>
+            <a:r>
+              <a:rPr lang="de-DE" b="1" dirty="0" err="1"/>
+              <a:t>Marking</a:t>
+            </a:r>
+            <a:r>
+              <a:rPr lang="de-DE" b="1" dirty="0"/>
+              <a:t>: </a:t>
+            </a:r>
+            <a:r>
+              <a:rPr lang="de-DE" dirty="0"/>
+              <a:t>Gesichtserkennung und Aufbereitung für den Tausch</a:t>
+            </a:r>
+          </a:p>
+          <a:p>
+            <a:r>
+              <a:rPr lang="de-DE" b="1" dirty="0"/>
+              <a:t>Face </a:t>
+            </a:r>
+            <a:r>
+              <a:rPr lang="de-DE" b="1" dirty="0" err="1"/>
+              <a:t>Swapping</a:t>
+            </a:r>
+            <a:r>
+              <a:rPr lang="de-DE" b="1" dirty="0"/>
+              <a:t>/Reenactment: </a:t>
+            </a:r>
+            <a:r>
+              <a:rPr lang="de-DE" dirty="0"/>
+              <a:t>Tatsächlicher Gesichtstausch, bzw. Reenactment</a:t>
+            </a:r>
+          </a:p>
+          <a:p>
+            <a:r>
+              <a:rPr lang="de-DE" b="1" dirty="0"/>
+              <a:t>Face </a:t>
+            </a:r>
+            <a:r>
+              <a:rPr lang="de-DE" b="1" dirty="0" err="1"/>
+              <a:t>Merging</a:t>
+            </a:r>
+            <a:r>
+              <a:rPr lang="de-DE" b="1" dirty="0"/>
+              <a:t>: </a:t>
+            </a:r>
+            <a:r>
+              <a:rPr lang="de-DE" dirty="0"/>
+              <a:t>Zusammenführen des generierten Gesichtes in das Original</a:t>
+            </a:r>
+          </a:p>
+          <a:p>
+            <a:r>
+              <a:rPr lang="de-DE" b="1" dirty="0"/>
+              <a:t>Output: </a:t>
+            </a:r>
+            <a:r>
+              <a:rPr lang="de-DE" dirty="0"/>
+              <a:t>Ausgabe zu Video bzw. Stream</a:t>
+            </a:r>
+          </a:p>
+        </p:txBody>
+      </p:sp>
+      <p:sp>
+        <p:nvSpPr>
+          <p:cNvPr id="3" name="Titel 2">
+            <a:extLst>
+              <a:ext uri="{FF2B5EF4-FFF2-40B4-BE49-F238E27FC236}">
+                <a16:creationId xmlns:a16="http://schemas.microsoft.com/office/drawing/2014/main" id="{9C9ACACA-A21E-4595-A220-DC136182A77C}"/>
+              </a:ext>
+            </a:extLst>
+          </p:cNvPr>
+          <p:cNvSpPr>
+            <a:spLocks noGrp="1"/>
+          </p:cNvSpPr>
+          <p:nvPr>
+            <p:ph type="title"/>
+          </p:nvPr>
+        </p:nvSpPr>
+        <p:spPr/>
+        <p:txBody>
+          <a:bodyPr/>
+          <a:lstStyle/>
+          <a:p>
+            <a:r>
+              <a:rPr lang="de-DE" dirty="0"/>
+              <a:t>Workflow – </a:t>
+            </a:r>
+            <a:r>
+              <a:rPr lang="de-DE" dirty="0" err="1"/>
+              <a:t>DeepFaceLive</a:t>
+            </a:r>
+            <a:endParaRPr lang="de-DE" dirty="0"/>
+          </a:p>
+        </p:txBody>
+      </p:sp>
+      <p:sp>
+        <p:nvSpPr>
+          <p:cNvPr id="4" name="Datumsplatzhalter 3">
+            <a:extLst>
+              <a:ext uri="{FF2B5EF4-FFF2-40B4-BE49-F238E27FC236}">
+                <a16:creationId xmlns:a16="http://schemas.microsoft.com/office/drawing/2014/main" id="{CE7962B1-565E-4D88-9AAC-D6BC18C21BDE}"/>
+              </a:ext>
+            </a:extLst>
+          </p:cNvPr>
+          <p:cNvSpPr>
+            <a:spLocks noGrp="1"/>
+          </p:cNvSpPr>
+          <p:nvPr>
+            <p:ph type="dt" sz="half" idx="10"/>
+          </p:nvPr>
+        </p:nvSpPr>
+        <p:spPr/>
+        <p:txBody>
+          <a:bodyPr/>
+          <a:lstStyle/>
+          <a:p>
+            <a:fld id="{98F3FFE7-5A7D-4390-885E-700117EB97E8}" type="datetime1">
+              <a:rPr lang="de-DE" smtClean="0"/>
+              <a:t>10.08.2024</a:t>
+            </a:fld>
+            <a:endParaRPr lang="de-DE"/>
+          </a:p>
+        </p:txBody>
+      </p:sp>
+      <p:sp>
+        <p:nvSpPr>
+          <p:cNvPr id="5" name="Foliennummernplatzhalter 4">
+            <a:extLst>
+              <a:ext uri="{FF2B5EF4-FFF2-40B4-BE49-F238E27FC236}">
+                <a16:creationId xmlns:a16="http://schemas.microsoft.com/office/drawing/2014/main" id="{18BC718F-297F-4391-B75D-9E80EF448277}"/>
+              </a:ext>
+            </a:extLst>
+          </p:cNvPr>
+          <p:cNvSpPr>
+            <a:spLocks noGrp="1"/>
+          </p:cNvSpPr>
+          <p:nvPr>
+            <p:ph type="sldNum" sz="quarter" idx="12"/>
+          </p:nvPr>
+        </p:nvSpPr>
+        <p:spPr/>
+        <p:txBody>
+          <a:bodyPr/>
+          <a:lstStyle/>
+          <a:p>
+            <a:fld id="{129916D8-1490-4DD4-88F6-5306CFA90256}" type="slidenum">
+              <a:rPr lang="de-DE" smtClean="0"/>
+              <a:t>11</a:t>
+            </a:fld>
+            <a:endParaRPr lang="de-DE"/>
+          </a:p>
+        </p:txBody>
+      </p:sp>
+    </p:spTree>
+    <p:extLst>
+      <p:ext uri="{BB962C8B-B14F-4D97-AF65-F5344CB8AC3E}">
+        <p14:creationId xmlns:p14="http://schemas.microsoft.com/office/powerpoint/2010/main" val="3834013177"/>
+      </p:ext>
+    </p:extLst>
+  </p:cSld>
+  <p:clrMapOvr>
+    <a:masterClrMapping/>
+  </p:clrMapOvr>
+</p:sld>
+</file>
+
+<file path=ppt/slides/slide12.xml><?xml version="1.0" encoding="utf-8"?>
+<p:sld xmlns:a="http://schemas.openxmlformats.org/drawingml/2006/main" xmlns:r="http://schemas.openxmlformats.org/officeDocument/2006/relationships" xmlns:p="http://schemas.openxmlformats.org/presentationml/2006/main">
+  <p:cSld>
+    <p:spTree>
+      <p:nvGrpSpPr>
+        <p:cNvPr id="1" name=""/>
+        <p:cNvGrpSpPr/>
+        <p:nvPr/>
+      </p:nvGrpSpPr>
+      <p:grpSpPr>
+        <a:xfrm>
+          <a:off x="0" y="0"/>
+          <a:ext cx="0" cy="0"/>
+          <a:chOff x="0" y="0"/>
+          <a:chExt cx="0" cy="0"/>
+        </a:xfrm>
+      </p:grpSpPr>
+      <p:sp>
+        <p:nvSpPr>
+          <p:cNvPr id="2" name="Inhaltsplatzhalter 1">
+            <a:extLst>
+              <a:ext uri="{FF2B5EF4-FFF2-40B4-BE49-F238E27FC236}">
+                <a16:creationId xmlns:a16="http://schemas.microsoft.com/office/drawing/2014/main" id="{C8086841-E953-447A-B98B-D652E82EDA02}"/>
+              </a:ext>
+            </a:extLst>
+          </p:cNvPr>
+          <p:cNvSpPr>
+            <a:spLocks noGrp="1"/>
+          </p:cNvSpPr>
+          <p:nvPr>
+            <p:ph idx="13"/>
+          </p:nvPr>
+        </p:nvSpPr>
+        <p:spPr/>
+        <p:txBody>
+          <a:bodyPr/>
+          <a:lstStyle/>
+          <a:p>
+            <a:r>
+              <a:rPr lang="de-DE" b="1" dirty="0"/>
+              <a:t>CPU:</a:t>
+            </a:r>
+            <a:r>
+              <a:rPr lang="de-DE" dirty="0"/>
+              <a:t> AMD </a:t>
+            </a:r>
+            <a:r>
+              <a:rPr lang="de-DE" dirty="0" err="1"/>
+              <a:t>Ryzen</a:t>
+            </a:r>
+            <a:r>
+              <a:rPr lang="de-DE" dirty="0"/>
+              <a:t> 5 2600X </a:t>
+            </a:r>
+          </a:p>
+          <a:p>
+            <a:r>
+              <a:rPr lang="de-DE" b="1" dirty="0"/>
+              <a:t>RAM:</a:t>
+            </a:r>
+            <a:r>
+              <a:rPr lang="de-DE" dirty="0"/>
+              <a:t> 16GB DDR4 3000MHz </a:t>
+            </a:r>
+          </a:p>
+          <a:p>
+            <a:r>
+              <a:rPr lang="de-DE" b="1" dirty="0"/>
+              <a:t>GPU:</a:t>
+            </a:r>
+            <a:r>
+              <a:rPr lang="de-DE" dirty="0"/>
+              <a:t> NVIDIA RTX 2070 (8GB GDDR6 VRAM) </a:t>
+            </a:r>
+          </a:p>
+          <a:p>
+            <a:r>
+              <a:rPr lang="de-DE" b="1" dirty="0"/>
+              <a:t>OS:</a:t>
+            </a:r>
+            <a:r>
+              <a:rPr lang="de-DE" dirty="0"/>
+              <a:t> Windows 11</a:t>
+            </a:r>
+          </a:p>
+        </p:txBody>
+      </p:sp>
+      <p:sp>
+        <p:nvSpPr>
+          <p:cNvPr id="3" name="Titel 2">
+            <a:extLst>
+              <a:ext uri="{FF2B5EF4-FFF2-40B4-BE49-F238E27FC236}">
+                <a16:creationId xmlns:a16="http://schemas.microsoft.com/office/drawing/2014/main" id="{1E9B10CD-5D19-4568-AA82-8DFA93FA16F6}"/>
+              </a:ext>
+            </a:extLst>
+          </p:cNvPr>
+          <p:cNvSpPr>
+            <a:spLocks noGrp="1"/>
+          </p:cNvSpPr>
+          <p:nvPr>
+            <p:ph type="title"/>
+          </p:nvPr>
+        </p:nvSpPr>
+        <p:spPr/>
+        <p:txBody>
+          <a:bodyPr/>
+          <a:lstStyle/>
+          <a:p>
+            <a:r>
+              <a:rPr lang="de-DE" dirty="0"/>
+              <a:t>Laborumgebung</a:t>
+            </a:r>
+          </a:p>
+        </p:txBody>
+      </p:sp>
+      <p:sp>
+        <p:nvSpPr>
+          <p:cNvPr id="4" name="Datumsplatzhalter 3">
+            <a:extLst>
+              <a:ext uri="{FF2B5EF4-FFF2-40B4-BE49-F238E27FC236}">
+                <a16:creationId xmlns:a16="http://schemas.microsoft.com/office/drawing/2014/main" id="{F937D61F-F401-487C-BE5C-00ECE6B8E282}"/>
+              </a:ext>
+            </a:extLst>
+          </p:cNvPr>
+          <p:cNvSpPr>
+            <a:spLocks noGrp="1"/>
+          </p:cNvSpPr>
+          <p:nvPr>
+            <p:ph type="dt" sz="half" idx="10"/>
+          </p:nvPr>
+        </p:nvSpPr>
+        <p:spPr/>
+        <p:txBody>
+          <a:bodyPr/>
+          <a:lstStyle/>
+          <a:p>
+            <a:fld id="{98F3FFE7-5A7D-4390-885E-700117EB97E8}" type="datetime1">
+              <a:rPr lang="de-DE" smtClean="0"/>
+              <a:t>10.08.2024</a:t>
+            </a:fld>
+            <a:endParaRPr lang="de-DE"/>
+          </a:p>
+        </p:txBody>
+      </p:sp>
+      <p:sp>
+        <p:nvSpPr>
+          <p:cNvPr id="5" name="Foliennummernplatzhalter 4">
+            <a:extLst>
+              <a:ext uri="{FF2B5EF4-FFF2-40B4-BE49-F238E27FC236}">
+                <a16:creationId xmlns:a16="http://schemas.microsoft.com/office/drawing/2014/main" id="{A29E8610-825F-47F8-8066-8F217D22CA50}"/>
+              </a:ext>
+            </a:extLst>
+          </p:cNvPr>
+          <p:cNvSpPr>
+            <a:spLocks noGrp="1"/>
+          </p:cNvSpPr>
+          <p:nvPr>
+            <p:ph type="sldNum" sz="quarter" idx="12"/>
+          </p:nvPr>
+        </p:nvSpPr>
+        <p:spPr/>
+        <p:txBody>
+          <a:bodyPr/>
+          <a:lstStyle/>
+          <a:p>
+            <a:fld id="{129916D8-1490-4DD4-88F6-5306CFA90256}" type="slidenum">
+              <a:rPr lang="de-DE" smtClean="0"/>
+              <a:t>12</a:t>
+            </a:fld>
+            <a:endParaRPr lang="de-DE"/>
+          </a:p>
+        </p:txBody>
+      </p:sp>
+    </p:spTree>
+    <p:extLst>
+      <p:ext uri="{BB962C8B-B14F-4D97-AF65-F5344CB8AC3E}">
+        <p14:creationId xmlns:p14="http://schemas.microsoft.com/office/powerpoint/2010/main" val="1364232041"/>
       </p:ext>
     </p:extLst>
   </p:cSld>
@@ -3221,6 +3701,13 @@
             <a:r>
               <a:rPr lang="de-DE" dirty="0" err="1"/>
               <a:t>DFLive</a:t>
+            </a:r>
+            <a:endParaRPr lang="de-DE" dirty="0"/>
+          </a:p>
+          <a:p>
+            <a:r>
+              <a:rPr lang="de-DE"/>
+              <a:t>Laborumgebung</a:t>
             </a:r>
             <a:endParaRPr lang="de-DE" dirty="0"/>
           </a:p>
@@ -3345,7 +3832,185 @@
           <a:bodyPr/>
           <a:lstStyle/>
           <a:p>
-            <a:endParaRPr lang="de-DE"/>
+            <a:pPr marL="0" indent="0">
+              <a:buNone/>
+            </a:pPr>
+            <a:r>
+              <a:rPr lang="de-DE" b="1" i="0" dirty="0">
+                <a:solidFill>
+                  <a:srgbClr val="111314"/>
+                </a:solidFill>
+                <a:effectLst/>
+                <a:latin typeface="BundesSansWeb-Bold"/>
+              </a:rPr>
+              <a:t>Deepfakes </a:t>
+            </a:r>
+            <a:r>
+              <a:rPr lang="de-DE" b="0" i="0" dirty="0">
+                <a:solidFill>
+                  <a:srgbClr val="111314"/>
+                </a:solidFill>
+                <a:effectLst/>
+                <a:latin typeface="BundesSansWeb-Regular"/>
+              </a:rPr>
+              <a:t>sind täuschend echt wirkende, manipulierte Bild-, Audio- oder auch Videoaufnahmen. Sie werden mit Hilfe von künstlicher Intelligenz erzeugt.</a:t>
+            </a:r>
+            <a:r>
+              <a:rPr lang="de-DE" b="0" i="0" baseline="30000" dirty="0">
+                <a:solidFill>
+                  <a:srgbClr val="111314"/>
+                </a:solidFill>
+                <a:effectLst/>
+                <a:latin typeface="BundesSansWeb-Regular"/>
+              </a:rPr>
+              <a:t>1</a:t>
+            </a:r>
+            <a:endParaRPr lang="de-DE" b="0" i="0" dirty="0">
+              <a:solidFill>
+                <a:srgbClr val="111314"/>
+              </a:solidFill>
+              <a:effectLst/>
+              <a:latin typeface="BundesSansWeb-Regular"/>
+            </a:endParaRPr>
+          </a:p>
+          <a:p>
+            <a:r>
+              <a:rPr lang="de-DE" b="0" i="0" dirty="0">
+                <a:solidFill>
+                  <a:srgbClr val="111314"/>
+                </a:solidFill>
+                <a:effectLst/>
+                <a:latin typeface="BundesSansWeb-Regular"/>
+              </a:rPr>
+              <a:t>Video Deepfakes sind heutzutage leicht zugänglich</a:t>
+            </a:r>
+            <a:endParaRPr lang="de-DE" dirty="0">
+              <a:solidFill>
+                <a:srgbClr val="111314"/>
+              </a:solidFill>
+              <a:latin typeface="BundesSansWeb-Regular"/>
+            </a:endParaRPr>
+          </a:p>
+          <a:p>
+            <a:r>
+              <a:rPr lang="de-DE" b="0" i="0" dirty="0">
+                <a:solidFill>
+                  <a:srgbClr val="111314"/>
+                </a:solidFill>
+                <a:effectLst/>
+                <a:latin typeface="BundesSansWeb-Regular"/>
+              </a:rPr>
+              <a:t>Relevant in der </a:t>
+            </a:r>
+            <a:r>
+              <a:rPr lang="de-DE" b="0" i="0" dirty="0" err="1">
+                <a:solidFill>
+                  <a:srgbClr val="111314"/>
+                </a:solidFill>
+                <a:effectLst/>
+                <a:latin typeface="BundesSansWeb-Regular"/>
+              </a:rPr>
+              <a:t>Cybersecurity</a:t>
+            </a:r>
+            <a:r>
+              <a:rPr lang="de-DE" b="0" i="0" dirty="0">
+                <a:solidFill>
+                  <a:srgbClr val="111314"/>
+                </a:solidFill>
+                <a:effectLst/>
+                <a:latin typeface="BundesSansWeb-Regular"/>
+              </a:rPr>
+              <a:t> im Kontext von </a:t>
+            </a:r>
+            <a:r>
+              <a:rPr lang="de-DE" b="0" i="0" dirty="0" err="1">
+                <a:solidFill>
+                  <a:srgbClr val="111314"/>
+                </a:solidFill>
+                <a:effectLst/>
+                <a:latin typeface="BundesSansWeb-Regular"/>
+              </a:rPr>
+              <a:t>Social</a:t>
+            </a:r>
+            <a:r>
+              <a:rPr lang="de-DE" b="0" i="0" dirty="0">
+                <a:solidFill>
+                  <a:srgbClr val="111314"/>
+                </a:solidFill>
+                <a:effectLst/>
+                <a:latin typeface="BundesSansWeb-Regular"/>
+              </a:rPr>
+              <a:t> Engineering</a:t>
+            </a:r>
+          </a:p>
+          <a:p>
+            <a:endParaRPr lang="de-DE" dirty="0">
+              <a:solidFill>
+                <a:srgbClr val="111314"/>
+              </a:solidFill>
+              <a:latin typeface="BundesSansWeb-Regular"/>
+            </a:endParaRPr>
+          </a:p>
+          <a:p>
+            <a:pPr marL="0" indent="0">
+              <a:buNone/>
+            </a:pPr>
+            <a:r>
+              <a:rPr lang="de-DE" dirty="0">
+                <a:solidFill>
+                  <a:srgbClr val="111314"/>
+                </a:solidFill>
+                <a:latin typeface="BundesSansWeb-Regular"/>
+              </a:rPr>
+              <a:t>Relevante Techniken</a:t>
+            </a:r>
+          </a:p>
+          <a:p>
+            <a:r>
+              <a:rPr lang="de-DE" dirty="0">
+                <a:solidFill>
+                  <a:srgbClr val="111314"/>
+                </a:solidFill>
+                <a:latin typeface="BundesSansWeb-Regular"/>
+              </a:rPr>
+              <a:t>Face </a:t>
+            </a:r>
+            <a:r>
+              <a:rPr lang="de-DE" dirty="0" err="1">
+                <a:solidFill>
+                  <a:srgbClr val="111314"/>
+                </a:solidFill>
+                <a:latin typeface="BundesSansWeb-Regular"/>
+              </a:rPr>
+              <a:t>Swapping</a:t>
+            </a:r>
+            <a:endParaRPr lang="de-DE" dirty="0">
+              <a:solidFill>
+                <a:srgbClr val="111314"/>
+              </a:solidFill>
+              <a:latin typeface="BundesSansWeb-Regular"/>
+            </a:endParaRPr>
+          </a:p>
+          <a:p>
+            <a:r>
+              <a:rPr lang="de-DE" b="0" i="0" dirty="0">
+                <a:solidFill>
+                  <a:srgbClr val="111314"/>
+                </a:solidFill>
+                <a:effectLst/>
+                <a:latin typeface="BundesSansWeb-Regular"/>
+              </a:rPr>
+              <a:t>Reenactment</a:t>
+            </a:r>
+          </a:p>
+          <a:p>
+            <a:endParaRPr lang="de-DE" b="0" i="0" dirty="0">
+              <a:solidFill>
+                <a:srgbClr val="111314"/>
+              </a:solidFill>
+              <a:effectLst/>
+              <a:latin typeface="BundesSansWeb-Regular"/>
+            </a:endParaRPr>
           </a:p>
         </p:txBody>
       </p:sp>
@@ -3393,7 +4058,12 @@
             <p:ph type="dt" sz="half" idx="10"/>
           </p:nvPr>
         </p:nvSpPr>
-        <p:spPr/>
+        <p:spPr>
+          <a:xfrm>
+            <a:off x="339436" y="6492875"/>
+            <a:ext cx="953336" cy="365125"/>
+          </a:xfrm>
+        </p:spPr>
         <p:txBody>
           <a:bodyPr/>
           <a:lstStyle/>
@@ -3402,7 +4072,7 @@
               <a:rPr lang="de-DE" smtClean="0"/>
               <a:t>10.08.2024</a:t>
             </a:fld>
-            <a:endParaRPr lang="de-DE"/>
+            <a:endParaRPr lang="de-DE" dirty="0"/>
           </a:p>
         </p:txBody>
       </p:sp>
@@ -3432,6 +4102,166 @@
               <a:t>3</a:t>
             </a:fld>
             <a:endParaRPr lang="de-DE"/>
+          </a:p>
+        </p:txBody>
+      </p:sp>
+      <p:sp>
+        <p:nvSpPr>
+          <p:cNvPr id="6" name="Datumsplatzhalter 3">
+            <a:extLst>
+              <a:ext uri="{FF2B5EF4-FFF2-40B4-BE49-F238E27FC236}">
+                <a16:creationId xmlns:a16="http://schemas.microsoft.com/office/drawing/2014/main" id="{454A7E0E-FEFA-4D54-A34A-09DF88572C44}"/>
+              </a:ext>
+            </a:extLst>
+          </p:cNvPr>
+          <p:cNvSpPr txBox="1">
+            <a:spLocks/>
+          </p:cNvSpPr>
+          <p:nvPr/>
+        </p:nvSpPr>
+        <p:spPr>
+          <a:xfrm>
+            <a:off x="1292772" y="6474246"/>
+            <a:ext cx="4021306" cy="365125"/>
+          </a:xfrm>
+          <a:prstGeom prst="rect">
+            <a:avLst/>
+          </a:prstGeom>
+        </p:spPr>
+        <p:txBody>
+          <a:bodyPr vert="horz" lIns="91440" tIns="45720" rIns="91440" bIns="45720" rtlCol="0" anchor="ctr"/>
+          <a:lstStyle>
+            <a:defPPr>
+              <a:defRPr lang="de-DE"/>
+            </a:defPPr>
+            <a:lvl1pPr marL="0" algn="l" defTabSz="914400" rtl="0" eaLnBrk="1" latinLnBrk="0" hangingPunct="1">
+              <a:defRPr sz="1200" kern="1200">
+                <a:solidFill>
+                  <a:srgbClr val="0070C0"/>
+                </a:solidFill>
+                <a:latin typeface="+mn-lt"/>
+                <a:ea typeface="+mn-ea"/>
+                <a:cs typeface="+mn-cs"/>
+              </a:defRPr>
+            </a:lvl1pPr>
+            <a:lvl2pPr marL="457200" algn="l" defTabSz="914400" rtl="0" eaLnBrk="1" latinLnBrk="0" hangingPunct="1">
+              <a:defRPr sz="1800" kern="1200">
+                <a:solidFill>
+                  <a:schemeClr val="tx1"/>
+                </a:solidFill>
+                <a:latin typeface="+mn-lt"/>
+                <a:ea typeface="+mn-ea"/>
+                <a:cs typeface="+mn-cs"/>
+              </a:defRPr>
+            </a:lvl2pPr>
+            <a:lvl3pPr marL="914400" algn="l" defTabSz="914400" rtl="0" eaLnBrk="1" latinLnBrk="0" hangingPunct="1">
+              <a:defRPr sz="1800" kern="1200">
+                <a:solidFill>
+                  <a:schemeClr val="tx1"/>
+                </a:solidFill>
+                <a:latin typeface="+mn-lt"/>
+                <a:ea typeface="+mn-ea"/>
+                <a:cs typeface="+mn-cs"/>
+              </a:defRPr>
+            </a:lvl3pPr>
+            <a:lvl4pPr marL="1371600" algn="l" defTabSz="914400" rtl="0" eaLnBrk="1" latinLnBrk="0" hangingPunct="1">
+              <a:defRPr sz="1800" kern="1200">
+                <a:solidFill>
+                  <a:schemeClr val="tx1"/>
+                </a:solidFill>
+                <a:latin typeface="+mn-lt"/>
+                <a:ea typeface="+mn-ea"/>
+                <a:cs typeface="+mn-cs"/>
+              </a:defRPr>
+            </a:lvl4pPr>
+            <a:lvl5pPr marL="1828800" algn="l" defTabSz="914400" rtl="0" eaLnBrk="1" latinLnBrk="0" hangingPunct="1">
+              <a:defRPr sz="1800" kern="1200">
+                <a:solidFill>
+                  <a:schemeClr val="tx1"/>
+                </a:solidFill>
+                <a:latin typeface="+mn-lt"/>
+                <a:ea typeface="+mn-ea"/>
+                <a:cs typeface="+mn-cs"/>
+              </a:defRPr>
+            </a:lvl5pPr>
+            <a:lvl6pPr marL="2286000" algn="l" defTabSz="914400" rtl="0" eaLnBrk="1" latinLnBrk="0" hangingPunct="1">
+              <a:defRPr sz="1800" kern="1200">
+                <a:solidFill>
+                  <a:schemeClr val="tx1"/>
+                </a:solidFill>
+                <a:latin typeface="+mn-lt"/>
+                <a:ea typeface="+mn-ea"/>
+                <a:cs typeface="+mn-cs"/>
+              </a:defRPr>
+            </a:lvl6pPr>
+            <a:lvl7pPr marL="2743200" algn="l" defTabSz="914400" rtl="0" eaLnBrk="1" latinLnBrk="0" hangingPunct="1">
+              <a:defRPr sz="1800" kern="1200">
+                <a:solidFill>
+                  <a:schemeClr val="tx1"/>
+                </a:solidFill>
+                <a:latin typeface="+mn-lt"/>
+                <a:ea typeface="+mn-ea"/>
+                <a:cs typeface="+mn-cs"/>
+              </a:defRPr>
+            </a:lvl7pPr>
+            <a:lvl8pPr marL="3200400" algn="l" defTabSz="914400" rtl="0" eaLnBrk="1" latinLnBrk="0" hangingPunct="1">
+              <a:defRPr sz="1800" kern="1200">
+                <a:solidFill>
+                  <a:schemeClr val="tx1"/>
+                </a:solidFill>
+                <a:latin typeface="+mn-lt"/>
+                <a:ea typeface="+mn-ea"/>
+                <a:cs typeface="+mn-cs"/>
+              </a:defRPr>
+            </a:lvl8pPr>
+            <a:lvl9pPr marL="3657600" algn="l" defTabSz="914400" rtl="0" eaLnBrk="1" latinLnBrk="0" hangingPunct="1">
+              <a:defRPr sz="1800" kern="1200">
+                <a:solidFill>
+                  <a:schemeClr val="tx1"/>
+                </a:solidFill>
+                <a:latin typeface="+mn-lt"/>
+                <a:ea typeface="+mn-ea"/>
+                <a:cs typeface="+mn-cs"/>
+              </a:defRPr>
+            </a:lvl9pPr>
+          </a:lstStyle>
+          <a:p>
+            <a:r>
+              <a:rPr lang="de-DE" sz="1000" baseline="30000" dirty="0">
+                <a:solidFill>
+                  <a:srgbClr val="66A5D2"/>
+                </a:solidFill>
+              </a:rPr>
+              <a:t>1</a:t>
+            </a:r>
+            <a:r>
+              <a:rPr lang="de-DE" sz="1000" dirty="0">
+                <a:solidFill>
+                  <a:srgbClr val="66A5D2"/>
+                </a:solidFill>
+              </a:rPr>
+              <a:t>Quelle: </a:t>
+            </a:r>
+            <a:r>
+              <a:rPr lang="de-DE" sz="1000" dirty="0">
+                <a:solidFill>
+                  <a:srgbClr val="66A5D2"/>
+                </a:solidFill>
+                <a:hlinkClick r:id="rId2">
+                  <a:extLst>
+                    <a:ext uri="{A12FA001-AC4F-418D-AE19-62706E023703}">
+                      <ahyp:hlinkClr xmlns:ahyp="http://schemas.microsoft.com/office/drawing/2018/hyperlinkcolor" val="tx"/>
+                    </a:ext>
+                  </a:extLst>
+                </a:hlinkClick>
+              </a:rPr>
+              <a:t>www.bundesregierung.de</a:t>
+            </a:r>
+            <a:endParaRPr lang="de-DE" sz="1000" dirty="0">
+              <a:solidFill>
+                <a:srgbClr val="66A5D2"/>
+              </a:solidFill>
+            </a:endParaRPr>
           </a:p>
         </p:txBody>
       </p:sp>
@@ -3467,10 +4297,10 @@
       </p:grpSpPr>
       <p:sp>
         <p:nvSpPr>
-          <p:cNvPr id="2" name="Inhaltsplatzhalter 1">
+          <p:cNvPr id="7" name="Inhaltsplatzhalter 6">
             <a:extLst>
               <a:ext uri="{FF2B5EF4-FFF2-40B4-BE49-F238E27FC236}">
-                <a16:creationId xmlns:a16="http://schemas.microsoft.com/office/drawing/2014/main" id="{A05C8B5C-7669-4D0C-B8B7-28E892E0944F}"/>
+                <a16:creationId xmlns:a16="http://schemas.microsoft.com/office/drawing/2014/main" id="{7CDBD162-5F2D-4D66-B5EE-EE3EF9C4743A}"/>
               </a:ext>
             </a:extLst>
           </p:cNvPr>
@@ -3478,7 +4308,7 @@
             <a:spLocks noGrp="1"/>
           </p:cNvSpPr>
           <p:nvPr>
-            <p:ph idx="13"/>
+            <p:ph idx="16"/>
           </p:nvPr>
         </p:nvSpPr>
         <p:spPr/>
@@ -3486,7 +4316,86 @@
           <a:bodyPr/>
           <a:lstStyle/>
           <a:p>
-            <a:endParaRPr lang="de-DE"/>
+            <a:pPr marL="0" indent="0">
+              <a:buNone/>
+            </a:pPr>
+            <a:r>
+              <a:rPr lang="de-DE" dirty="0"/>
+              <a:t>Negative Anwendungsgebiete</a:t>
+            </a:r>
+          </a:p>
+          <a:p>
+            <a:r>
+              <a:rPr lang="de-DE" dirty="0"/>
+              <a:t>Politische Manipulation</a:t>
+            </a:r>
+          </a:p>
+          <a:p>
+            <a:r>
+              <a:rPr lang="de-DE" dirty="0"/>
+              <a:t>Erpressung</a:t>
+            </a:r>
+          </a:p>
+          <a:p>
+            <a:r>
+              <a:rPr lang="de-DE" dirty="0"/>
+              <a:t>Fake News</a:t>
+            </a:r>
+          </a:p>
+          <a:p>
+            <a:r>
+              <a:rPr lang="de-DE" dirty="0"/>
+              <a:t>Pornographie</a:t>
+            </a:r>
+          </a:p>
+        </p:txBody>
+      </p:sp>
+      <p:sp>
+        <p:nvSpPr>
+          <p:cNvPr id="6" name="Inhaltsplatzhalter 5">
+            <a:extLst>
+              <a:ext uri="{FF2B5EF4-FFF2-40B4-BE49-F238E27FC236}">
+                <a16:creationId xmlns:a16="http://schemas.microsoft.com/office/drawing/2014/main" id="{73C4EA3B-1873-49A6-B584-8C82A67C7D9F}"/>
+              </a:ext>
+            </a:extLst>
+          </p:cNvPr>
+          <p:cNvSpPr>
+            <a:spLocks noGrp="1"/>
+          </p:cNvSpPr>
+          <p:nvPr>
+            <p:ph idx="15"/>
+          </p:nvPr>
+        </p:nvSpPr>
+        <p:spPr/>
+        <p:txBody>
+          <a:bodyPr/>
+          <a:lstStyle/>
+          <a:p>
+            <a:pPr marL="0" indent="0">
+              <a:buNone/>
+            </a:pPr>
+            <a:r>
+              <a:rPr lang="de-DE" dirty="0"/>
+              <a:t>Positive Anwendungsgebiete</a:t>
+            </a:r>
+          </a:p>
+          <a:p>
+            <a:r>
+              <a:rPr lang="de-DE" dirty="0"/>
+              <a:t>Filmindustrie</a:t>
+            </a:r>
+          </a:p>
+          <a:p>
+            <a:r>
+              <a:rPr lang="de-DE" dirty="0"/>
+              <a:t>Film Synchronisation</a:t>
+            </a:r>
+          </a:p>
+          <a:p>
+            <a:r>
+              <a:rPr lang="de-DE" dirty="0"/>
+              <a:t>Virtuelle Anproben</a:t>
+            </a:r>
           </a:p>
         </p:txBody>
       </p:sp>
@@ -3531,7 +4440,7 @@
             <a:spLocks noGrp="1"/>
           </p:cNvSpPr>
           <p:nvPr>
-            <p:ph type="dt" sz="half" idx="10"/>
+            <p:ph type="dt" sz="half" idx="12"/>
           </p:nvPr>
         </p:nvSpPr>
         <p:spPr/>
@@ -3560,7 +4469,7 @@
             <a:spLocks noGrp="1"/>
           </p:cNvSpPr>
           <p:nvPr>
-            <p:ph type="sldNum" sz="quarter" idx="12"/>
+            <p:ph type="sldNum" sz="quarter" idx="14"/>
           </p:nvPr>
         </p:nvSpPr>
         <p:spPr/>
@@ -3606,31 +4515,41 @@
           <a:chExt cx="0" cy="0"/>
         </a:xfrm>
       </p:grpSpPr>
-      <p:sp>
-        <p:nvSpPr>
-          <p:cNvPr id="2" name="Inhaltsplatzhalter 1">
+      <p:pic>
+        <p:nvPicPr>
+          <p:cNvPr id="7" name="Inhaltsplatzhalter 6">
             <a:extLst>
               <a:ext uri="{FF2B5EF4-FFF2-40B4-BE49-F238E27FC236}">
-                <a16:creationId xmlns:a16="http://schemas.microsoft.com/office/drawing/2014/main" id="{01555E5C-4A5B-400F-A188-53A73DD5EC4A}"/>
+                <a16:creationId xmlns:a16="http://schemas.microsoft.com/office/drawing/2014/main" id="{5C1F2A49-0569-47CB-898A-3D644E6A2210}"/>
               </a:ext>
             </a:extLst>
           </p:cNvPr>
-          <p:cNvSpPr>
-            <a:spLocks noGrp="1"/>
-          </p:cNvSpPr>
+          <p:cNvPicPr>
+            <a:picLocks noGrp="1" noChangeAspect="1"/>
+          </p:cNvPicPr>
           <p:nvPr>
             <p:ph idx="13"/>
           </p:nvPr>
-        </p:nvSpPr>
-        <p:spPr/>
-        <p:txBody>
-          <a:bodyPr/>
-          <a:lstStyle/>
-          <a:p>
-            <a:endParaRPr lang="de-DE"/>
-          </a:p>
-        </p:txBody>
-      </p:sp>
+        </p:nvPicPr>
+        <p:blipFill>
+          <a:blip r:embed="rId2">
+            <a:extLst>
+              <a:ext uri="{28A0092B-C50C-407E-A947-70E740481C1C}">
+                <a14:useLocalDpi xmlns:a14="http://schemas.microsoft.com/office/drawing/2010/main" val="0"/>
+              </a:ext>
+            </a:extLst>
+          </a:blip>
+          <a:stretch>
+            <a:fillRect/>
+          </a:stretch>
+        </p:blipFill>
+        <p:spPr>
+          <a:xfrm>
+            <a:off x="2226721" y="1705476"/>
+            <a:ext cx="7754432" cy="4201111"/>
+          </a:xfrm>
+        </p:spPr>
+      </p:pic>
       <p:sp>
         <p:nvSpPr>
           <p:cNvPr id="3" name="Titel 2">
@@ -3714,6 +4633,166 @@
               <a:t>5</a:t>
             </a:fld>
             <a:endParaRPr lang="de-DE"/>
+          </a:p>
+        </p:txBody>
+      </p:sp>
+      <p:sp>
+        <p:nvSpPr>
+          <p:cNvPr id="8" name="Datumsplatzhalter 3">
+            <a:extLst>
+              <a:ext uri="{FF2B5EF4-FFF2-40B4-BE49-F238E27FC236}">
+                <a16:creationId xmlns:a16="http://schemas.microsoft.com/office/drawing/2014/main" id="{B5E2FB1B-103F-4890-BC72-6830FFC256D3}"/>
+              </a:ext>
+            </a:extLst>
+          </p:cNvPr>
+          <p:cNvSpPr txBox="1">
+            <a:spLocks/>
+          </p:cNvSpPr>
+          <p:nvPr/>
+        </p:nvSpPr>
+        <p:spPr>
+          <a:xfrm>
+            <a:off x="1292772" y="6474246"/>
+            <a:ext cx="4021306" cy="365125"/>
+          </a:xfrm>
+          <a:prstGeom prst="rect">
+            <a:avLst/>
+          </a:prstGeom>
+        </p:spPr>
+        <p:txBody>
+          <a:bodyPr vert="horz" lIns="91440" tIns="45720" rIns="91440" bIns="45720" rtlCol="0" anchor="ctr"/>
+          <a:lstStyle>
+            <a:defPPr>
+              <a:defRPr lang="de-DE"/>
+            </a:defPPr>
+            <a:lvl1pPr marL="0" algn="l" defTabSz="914400" rtl="0" eaLnBrk="1" latinLnBrk="0" hangingPunct="1">
+              <a:defRPr sz="1200" kern="1200">
+                <a:solidFill>
+                  <a:srgbClr val="0070C0"/>
+                </a:solidFill>
+                <a:latin typeface="+mn-lt"/>
+                <a:ea typeface="+mn-ea"/>
+                <a:cs typeface="+mn-cs"/>
+              </a:defRPr>
+            </a:lvl1pPr>
+            <a:lvl2pPr marL="457200" algn="l" defTabSz="914400" rtl="0" eaLnBrk="1" latinLnBrk="0" hangingPunct="1">
+              <a:defRPr sz="1800" kern="1200">
+                <a:solidFill>
+                  <a:schemeClr val="tx1"/>
+                </a:solidFill>
+                <a:latin typeface="+mn-lt"/>
+                <a:ea typeface="+mn-ea"/>
+                <a:cs typeface="+mn-cs"/>
+              </a:defRPr>
+            </a:lvl2pPr>
+            <a:lvl3pPr marL="914400" algn="l" defTabSz="914400" rtl="0" eaLnBrk="1" latinLnBrk="0" hangingPunct="1">
+              <a:defRPr sz="1800" kern="1200">
+                <a:solidFill>
+                  <a:schemeClr val="tx1"/>
+                </a:solidFill>
+                <a:latin typeface="+mn-lt"/>
+                <a:ea typeface="+mn-ea"/>
+                <a:cs typeface="+mn-cs"/>
+              </a:defRPr>
+            </a:lvl3pPr>
+            <a:lvl4pPr marL="1371600" algn="l" defTabSz="914400" rtl="0" eaLnBrk="1" latinLnBrk="0" hangingPunct="1">
+              <a:defRPr sz="1800" kern="1200">
+                <a:solidFill>
+                  <a:schemeClr val="tx1"/>
+                </a:solidFill>
+                <a:latin typeface="+mn-lt"/>
+                <a:ea typeface="+mn-ea"/>
+                <a:cs typeface="+mn-cs"/>
+              </a:defRPr>
+            </a:lvl4pPr>
+            <a:lvl5pPr marL="1828800" algn="l" defTabSz="914400" rtl="0" eaLnBrk="1" latinLnBrk="0" hangingPunct="1">
+              <a:defRPr sz="1800" kern="1200">
+                <a:solidFill>
+                  <a:schemeClr val="tx1"/>
+                </a:solidFill>
+                <a:latin typeface="+mn-lt"/>
+                <a:ea typeface="+mn-ea"/>
+                <a:cs typeface="+mn-cs"/>
+              </a:defRPr>
+            </a:lvl5pPr>
+            <a:lvl6pPr marL="2286000" algn="l" defTabSz="914400" rtl="0" eaLnBrk="1" latinLnBrk="0" hangingPunct="1">
+              <a:defRPr sz="1800" kern="1200">
+                <a:solidFill>
+                  <a:schemeClr val="tx1"/>
+                </a:solidFill>
+                <a:latin typeface="+mn-lt"/>
+                <a:ea typeface="+mn-ea"/>
+                <a:cs typeface="+mn-cs"/>
+              </a:defRPr>
+            </a:lvl6pPr>
+            <a:lvl7pPr marL="2743200" algn="l" defTabSz="914400" rtl="0" eaLnBrk="1" latinLnBrk="0" hangingPunct="1">
+              <a:defRPr sz="1800" kern="1200">
+                <a:solidFill>
+                  <a:schemeClr val="tx1"/>
+                </a:solidFill>
+                <a:latin typeface="+mn-lt"/>
+                <a:ea typeface="+mn-ea"/>
+                <a:cs typeface="+mn-cs"/>
+              </a:defRPr>
+            </a:lvl7pPr>
+            <a:lvl8pPr marL="3200400" algn="l" defTabSz="914400" rtl="0" eaLnBrk="1" latinLnBrk="0" hangingPunct="1">
+              <a:defRPr sz="1800" kern="1200">
+                <a:solidFill>
+                  <a:schemeClr val="tx1"/>
+                </a:solidFill>
+                <a:latin typeface="+mn-lt"/>
+                <a:ea typeface="+mn-ea"/>
+                <a:cs typeface="+mn-cs"/>
+              </a:defRPr>
+            </a:lvl8pPr>
+            <a:lvl9pPr marL="3657600" algn="l" defTabSz="914400" rtl="0" eaLnBrk="1" latinLnBrk="0" hangingPunct="1">
+              <a:defRPr sz="1800" kern="1200">
+                <a:solidFill>
+                  <a:schemeClr val="tx1"/>
+                </a:solidFill>
+                <a:latin typeface="+mn-lt"/>
+                <a:ea typeface="+mn-ea"/>
+                <a:cs typeface="+mn-cs"/>
+              </a:defRPr>
+            </a:lvl9pPr>
+          </a:lstStyle>
+          <a:p>
+            <a:r>
+              <a:rPr lang="de-DE" sz="1000" baseline="30000" dirty="0">
+                <a:solidFill>
+                  <a:srgbClr val="66A5D2"/>
+                </a:solidFill>
+              </a:rPr>
+              <a:t>1</a:t>
+            </a:r>
+            <a:r>
+              <a:rPr lang="de-DE" sz="1000" dirty="0">
+                <a:solidFill>
+                  <a:srgbClr val="66A5D2"/>
+                </a:solidFill>
+              </a:rPr>
+              <a:t>Quelle: </a:t>
+            </a:r>
+            <a:r>
+              <a:rPr lang="de-DE" sz="1000" dirty="0">
+                <a:solidFill>
+                  <a:srgbClr val="66A5D2"/>
+                </a:solidFill>
+                <a:hlinkClick r:id="rId3">
+                  <a:extLst>
+                    <a:ext uri="{A12FA001-AC4F-418D-AE19-62706E023703}">
+                      <ahyp:hlinkClr xmlns:ahyp="http://schemas.microsoft.com/office/drawing/2018/hyperlinkcolor" val="tx"/>
+                    </a:ext>
+                  </a:extLst>
+                </a:hlinkClick>
+              </a:rPr>
+              <a:t>ai.hdm-stuttgart.de</a:t>
+            </a:r>
+            <a:endParaRPr lang="de-DE" sz="1000" dirty="0">
+              <a:solidFill>
+                <a:srgbClr val="66A5D2"/>
+              </a:solidFill>
+            </a:endParaRPr>
           </a:p>
         </p:txBody>
       </p:sp>
@@ -3752,7 +4831,7 @@
           <p:cNvPr id="2" name="Inhaltsplatzhalter 1">
             <a:extLst>
               <a:ext uri="{FF2B5EF4-FFF2-40B4-BE49-F238E27FC236}">
-                <a16:creationId xmlns:a16="http://schemas.microsoft.com/office/drawing/2014/main" id="{4CCA1AFE-57B9-465E-90D7-F00413DD9E8C}"/>
+                <a16:creationId xmlns:a16="http://schemas.microsoft.com/office/drawing/2014/main" id="{483AC593-20D8-4D72-9838-1771C075D71C}"/>
               </a:ext>
             </a:extLst>
           </p:cNvPr>
@@ -3768,7 +4847,37 @@
           <a:bodyPr/>
           <a:lstStyle/>
           <a:p>
-            <a:endParaRPr lang="de-DE"/>
+            <a:r>
+              <a:rPr lang="de-DE" dirty="0"/>
+              <a:t>Encoder bricht original Gesicht herunter</a:t>
+            </a:r>
+          </a:p>
+          <a:p>
+            <a:r>
+              <a:rPr lang="de-DE" dirty="0"/>
+              <a:t>Decoder rekonstruiert das Gesicht</a:t>
+            </a:r>
+          </a:p>
+          <a:p>
+            <a:r>
+              <a:rPr lang="de-DE" dirty="0"/>
+              <a:t>Die stärkste Komprimierung wird „Code“ genannt</a:t>
+            </a:r>
+          </a:p>
+          <a:p>
+            <a:endParaRPr lang="de-DE" dirty="0"/>
+          </a:p>
+          <a:p>
+            <a:r>
+              <a:rPr lang="de-DE" dirty="0"/>
+              <a:t>Beim Tausch zweier Codes werden die Gesichtsausdrücke der Gesichter getauscht</a:t>
+            </a:r>
+          </a:p>
+          <a:p>
+            <a:r>
+              <a:rPr lang="de-DE" dirty="0"/>
+              <a:t>Autoencoder sind die Grundlage für die Generierung von gefälschten Gesichtern</a:t>
+            </a:r>
           </a:p>
         </p:txBody>
       </p:sp>
@@ -3777,7 +4886,7 @@
           <p:cNvPr id="3" name="Titel 2">
             <a:extLst>
               <a:ext uri="{FF2B5EF4-FFF2-40B4-BE49-F238E27FC236}">
-                <a16:creationId xmlns:a16="http://schemas.microsoft.com/office/drawing/2014/main" id="{7BB74384-0FF9-4C06-A406-7DF8AD65993A}"/>
+                <a16:creationId xmlns:a16="http://schemas.microsoft.com/office/drawing/2014/main" id="{A773605B-DAA6-4045-8509-7C0DE7DDC556}"/>
               </a:ext>
             </a:extLst>
           </p:cNvPr>
@@ -3790,14 +4899,12 @@
         </p:nvSpPr>
         <p:spPr/>
         <p:txBody>
-          <a:bodyPr>
-            <a:normAutofit/>
-          </a:bodyPr>
-          <a:lstStyle/>
-          <a:p>
-            <a:r>
-              <a:rPr lang="de-DE" dirty="0"/>
-              <a:t>Technologische Grundlagen – GAN</a:t>
+          <a:bodyPr/>
+          <a:lstStyle/>
+          <a:p>
+            <a:r>
+              <a:rPr lang="de-DE" dirty="0"/>
+              <a:t>Technologische Grundlagen - Autoencoder</a:t>
             </a:r>
           </a:p>
         </p:txBody>
@@ -3807,7 +4914,7 @@
           <p:cNvPr id="4" name="Datumsplatzhalter 3">
             <a:extLst>
               <a:ext uri="{FF2B5EF4-FFF2-40B4-BE49-F238E27FC236}">
-                <a16:creationId xmlns:a16="http://schemas.microsoft.com/office/drawing/2014/main" id="{BE02B8BB-5F54-42DD-8FF6-A19FCA889A68}"/>
+                <a16:creationId xmlns:a16="http://schemas.microsoft.com/office/drawing/2014/main" id="{97055304-D214-4587-8E00-6347004F77D8}"/>
               </a:ext>
             </a:extLst>
           </p:cNvPr>
@@ -3836,7 +4943,7 @@
           <p:cNvPr id="5" name="Foliennummernplatzhalter 4">
             <a:extLst>
               <a:ext uri="{FF2B5EF4-FFF2-40B4-BE49-F238E27FC236}">
-                <a16:creationId xmlns:a16="http://schemas.microsoft.com/office/drawing/2014/main" id="{798D1F6C-A64D-4E3D-8CDC-D65D17E816F7}"/>
+                <a16:creationId xmlns:a16="http://schemas.microsoft.com/office/drawing/2014/main" id="{2792A78B-D379-47FE-81AD-5CA77A5C9BF5}"/>
               </a:ext>
             </a:extLst>
           </p:cNvPr>
@@ -3863,7 +4970,7 @@
     </p:spTree>
     <p:extLst>
       <p:ext uri="{BB962C8B-B14F-4D97-AF65-F5344CB8AC3E}">
-        <p14:creationId xmlns:p14="http://schemas.microsoft.com/office/powerpoint/2010/main" val="175579648"/>
+        <p14:creationId xmlns:p14="http://schemas.microsoft.com/office/powerpoint/2010/main" val="3604236278"/>
       </p:ext>
     </p:extLst>
   </p:cSld>
@@ -3890,37 +4997,46 @@
           <a:chExt cx="0" cy="0"/>
         </a:xfrm>
       </p:grpSpPr>
-      <p:sp>
-        <p:nvSpPr>
-          <p:cNvPr id="2" name="Inhaltsplatzhalter 1">
+      <p:pic>
+        <p:nvPicPr>
+          <p:cNvPr id="7" name="Inhaltsplatzhalter 6">
             <a:extLst>
               <a:ext uri="{FF2B5EF4-FFF2-40B4-BE49-F238E27FC236}">
-                <a16:creationId xmlns:a16="http://schemas.microsoft.com/office/drawing/2014/main" id="{E8D058E1-3336-473D-A226-FA253815464C}"/>
+                <a16:creationId xmlns:a16="http://schemas.microsoft.com/office/drawing/2014/main" id="{5C1F2A49-0569-47CB-898A-3D644E6A2210}"/>
               </a:ext>
             </a:extLst>
           </p:cNvPr>
-          <p:cNvSpPr>
-            <a:spLocks noGrp="1"/>
-          </p:cNvSpPr>
+          <p:cNvPicPr>
+            <a:picLocks noGrp="1" noChangeAspect="1"/>
+          </p:cNvPicPr>
           <p:nvPr>
             <p:ph idx="13"/>
           </p:nvPr>
-        </p:nvSpPr>
-        <p:spPr/>
-        <p:txBody>
-          <a:bodyPr/>
-          <a:lstStyle/>
-          <a:p>
-            <a:endParaRPr lang="de-DE"/>
-          </a:p>
-        </p:txBody>
-      </p:sp>
+        </p:nvPicPr>
+        <p:blipFill>
+          <a:blip r:embed="rId2">
+            <a:extLst>
+              <a:ext uri="{28A0092B-C50C-407E-A947-70E740481C1C}">
+                <a14:useLocalDpi xmlns:a14="http://schemas.microsoft.com/office/drawing/2010/main" val="0"/>
+              </a:ext>
+            </a:extLst>
+          </a:blip>
+          <a:srcRect/>
+          <a:stretch/>
+        </p:blipFill>
+        <p:spPr>
+          <a:xfrm>
+            <a:off x="3258023" y="1705476"/>
+            <a:ext cx="5691827" cy="4201111"/>
+          </a:xfrm>
+        </p:spPr>
+      </p:pic>
       <p:sp>
         <p:nvSpPr>
           <p:cNvPr id="3" name="Titel 2">
             <a:extLst>
               <a:ext uri="{FF2B5EF4-FFF2-40B4-BE49-F238E27FC236}">
-                <a16:creationId xmlns:a16="http://schemas.microsoft.com/office/drawing/2014/main" id="{0CEFC332-BF7E-4B2E-AED7-A2F766A67F60}"/>
+                <a16:creationId xmlns:a16="http://schemas.microsoft.com/office/drawing/2014/main" id="{D9154F9C-F7FA-46BB-8277-27ECC7F33407}"/>
               </a:ext>
             </a:extLst>
           </p:cNvPr>
@@ -3938,7 +5054,15 @@
           <a:p>
             <a:r>
               <a:rPr lang="de-DE" dirty="0"/>
-              <a:t>Ethik</a:t>
+              <a:t>Technologische Grundlagen - Generative </a:t>
+            </a:r>
+            <a:r>
+              <a:rPr lang="de-DE" dirty="0" err="1"/>
+              <a:t>Adversarial</a:t>
+            </a:r>
+            <a:r>
+              <a:rPr lang="de-DE" dirty="0"/>
+              <a:t> Network</a:t>
             </a:r>
           </a:p>
         </p:txBody>
@@ -3948,7 +5072,7 @@
           <p:cNvPr id="4" name="Datumsplatzhalter 3">
             <a:extLst>
               <a:ext uri="{FF2B5EF4-FFF2-40B4-BE49-F238E27FC236}">
-                <a16:creationId xmlns:a16="http://schemas.microsoft.com/office/drawing/2014/main" id="{9D9CD450-7683-4F7B-B18D-BC52143487B0}"/>
+                <a16:creationId xmlns:a16="http://schemas.microsoft.com/office/drawing/2014/main" id="{00EBD90F-208F-4B3E-9DA4-769BBFBF594D}"/>
               </a:ext>
             </a:extLst>
           </p:cNvPr>
@@ -3977,7 +5101,7 @@
           <p:cNvPr id="5" name="Foliennummernplatzhalter 4">
             <a:extLst>
               <a:ext uri="{FF2B5EF4-FFF2-40B4-BE49-F238E27FC236}">
-                <a16:creationId xmlns:a16="http://schemas.microsoft.com/office/drawing/2014/main" id="{563F61F1-10CC-4438-B9B1-416622D82D8C}"/>
+                <a16:creationId xmlns:a16="http://schemas.microsoft.com/office/drawing/2014/main" id="{5CF1F1EF-8498-4FE7-B98B-5FE436A015F8}"/>
               </a:ext>
             </a:extLst>
           </p:cNvPr>
@@ -4001,10 +5125,170 @@
           </a:p>
         </p:txBody>
       </p:sp>
+      <p:sp>
+        <p:nvSpPr>
+          <p:cNvPr id="8" name="Datumsplatzhalter 3">
+            <a:extLst>
+              <a:ext uri="{FF2B5EF4-FFF2-40B4-BE49-F238E27FC236}">
+                <a16:creationId xmlns:a16="http://schemas.microsoft.com/office/drawing/2014/main" id="{4FE58427-EE68-40B4-835D-D4E578E94CD3}"/>
+              </a:ext>
+            </a:extLst>
+          </p:cNvPr>
+          <p:cNvSpPr txBox="1">
+            <a:spLocks/>
+          </p:cNvSpPr>
+          <p:nvPr/>
+        </p:nvSpPr>
+        <p:spPr>
+          <a:xfrm>
+            <a:off x="1292772" y="6474246"/>
+            <a:ext cx="4021306" cy="365125"/>
+          </a:xfrm>
+          <a:prstGeom prst="rect">
+            <a:avLst/>
+          </a:prstGeom>
+        </p:spPr>
+        <p:txBody>
+          <a:bodyPr vert="horz" lIns="91440" tIns="45720" rIns="91440" bIns="45720" rtlCol="0" anchor="ctr"/>
+          <a:lstStyle>
+            <a:defPPr>
+              <a:defRPr lang="de-DE"/>
+            </a:defPPr>
+            <a:lvl1pPr marL="0" algn="l" defTabSz="914400" rtl="0" eaLnBrk="1" latinLnBrk="0" hangingPunct="1">
+              <a:defRPr sz="1200" kern="1200">
+                <a:solidFill>
+                  <a:srgbClr val="0070C0"/>
+                </a:solidFill>
+                <a:latin typeface="+mn-lt"/>
+                <a:ea typeface="+mn-ea"/>
+                <a:cs typeface="+mn-cs"/>
+              </a:defRPr>
+            </a:lvl1pPr>
+            <a:lvl2pPr marL="457200" algn="l" defTabSz="914400" rtl="0" eaLnBrk="1" latinLnBrk="0" hangingPunct="1">
+              <a:defRPr sz="1800" kern="1200">
+                <a:solidFill>
+                  <a:schemeClr val="tx1"/>
+                </a:solidFill>
+                <a:latin typeface="+mn-lt"/>
+                <a:ea typeface="+mn-ea"/>
+                <a:cs typeface="+mn-cs"/>
+              </a:defRPr>
+            </a:lvl2pPr>
+            <a:lvl3pPr marL="914400" algn="l" defTabSz="914400" rtl="0" eaLnBrk="1" latinLnBrk="0" hangingPunct="1">
+              <a:defRPr sz="1800" kern="1200">
+                <a:solidFill>
+                  <a:schemeClr val="tx1"/>
+                </a:solidFill>
+                <a:latin typeface="+mn-lt"/>
+                <a:ea typeface="+mn-ea"/>
+                <a:cs typeface="+mn-cs"/>
+              </a:defRPr>
+            </a:lvl3pPr>
+            <a:lvl4pPr marL="1371600" algn="l" defTabSz="914400" rtl="0" eaLnBrk="1" latinLnBrk="0" hangingPunct="1">
+              <a:defRPr sz="1800" kern="1200">
+                <a:solidFill>
+                  <a:schemeClr val="tx1"/>
+                </a:solidFill>
+                <a:latin typeface="+mn-lt"/>
+                <a:ea typeface="+mn-ea"/>
+                <a:cs typeface="+mn-cs"/>
+              </a:defRPr>
+            </a:lvl4pPr>
+            <a:lvl5pPr marL="1828800" algn="l" defTabSz="914400" rtl="0" eaLnBrk="1" latinLnBrk="0" hangingPunct="1">
+              <a:defRPr sz="1800" kern="1200">
+                <a:solidFill>
+                  <a:schemeClr val="tx1"/>
+                </a:solidFill>
+                <a:latin typeface="+mn-lt"/>
+                <a:ea typeface="+mn-ea"/>
+                <a:cs typeface="+mn-cs"/>
+              </a:defRPr>
+            </a:lvl5pPr>
+            <a:lvl6pPr marL="2286000" algn="l" defTabSz="914400" rtl="0" eaLnBrk="1" latinLnBrk="0" hangingPunct="1">
+              <a:defRPr sz="1800" kern="1200">
+                <a:solidFill>
+                  <a:schemeClr val="tx1"/>
+                </a:solidFill>
+                <a:latin typeface="+mn-lt"/>
+                <a:ea typeface="+mn-ea"/>
+                <a:cs typeface="+mn-cs"/>
+              </a:defRPr>
+            </a:lvl6pPr>
+            <a:lvl7pPr marL="2743200" algn="l" defTabSz="914400" rtl="0" eaLnBrk="1" latinLnBrk="0" hangingPunct="1">
+              <a:defRPr sz="1800" kern="1200">
+                <a:solidFill>
+                  <a:schemeClr val="tx1"/>
+                </a:solidFill>
+                <a:latin typeface="+mn-lt"/>
+                <a:ea typeface="+mn-ea"/>
+                <a:cs typeface="+mn-cs"/>
+              </a:defRPr>
+            </a:lvl7pPr>
+            <a:lvl8pPr marL="3200400" algn="l" defTabSz="914400" rtl="0" eaLnBrk="1" latinLnBrk="0" hangingPunct="1">
+              <a:defRPr sz="1800" kern="1200">
+                <a:solidFill>
+                  <a:schemeClr val="tx1"/>
+                </a:solidFill>
+                <a:latin typeface="+mn-lt"/>
+                <a:ea typeface="+mn-ea"/>
+                <a:cs typeface="+mn-cs"/>
+              </a:defRPr>
+            </a:lvl8pPr>
+            <a:lvl9pPr marL="3657600" algn="l" defTabSz="914400" rtl="0" eaLnBrk="1" latinLnBrk="0" hangingPunct="1">
+              <a:defRPr sz="1800" kern="1200">
+                <a:solidFill>
+                  <a:schemeClr val="tx1"/>
+                </a:solidFill>
+                <a:latin typeface="+mn-lt"/>
+                <a:ea typeface="+mn-ea"/>
+                <a:cs typeface="+mn-cs"/>
+              </a:defRPr>
+            </a:lvl9pPr>
+          </a:lstStyle>
+          <a:p>
+            <a:r>
+              <a:rPr lang="de-DE" sz="1000" baseline="30000" dirty="0">
+                <a:solidFill>
+                  <a:srgbClr val="66A5D2"/>
+                </a:solidFill>
+              </a:rPr>
+              <a:t>1</a:t>
+            </a:r>
+            <a:r>
+              <a:rPr lang="de-DE" sz="1000" dirty="0">
+                <a:solidFill>
+                  <a:srgbClr val="66A5D2"/>
+                </a:solidFill>
+              </a:rPr>
+              <a:t>Quelle: </a:t>
+            </a:r>
+            <a:r>
+              <a:rPr lang="de-DE" sz="1000" dirty="0">
+                <a:solidFill>
+                  <a:srgbClr val="66A5D2"/>
+                </a:solidFill>
+                <a:hlinkClick r:id="rId3">
+                  <a:extLst>
+                    <a:ext uri="{A12FA001-AC4F-418D-AE19-62706E023703}">
+                      <ahyp:hlinkClr xmlns:ahyp="http://schemas.microsoft.com/office/drawing/2018/hyperlinkcolor" val="tx"/>
+                    </a:ext>
+                  </a:extLst>
+                </a:hlinkClick>
+              </a:rPr>
+              <a:t>semiengineering.com</a:t>
+            </a:r>
+            <a:endParaRPr lang="de-DE" sz="1000" dirty="0">
+              <a:solidFill>
+                <a:srgbClr val="66A5D2"/>
+              </a:solidFill>
+            </a:endParaRPr>
+          </a:p>
+        </p:txBody>
+      </p:sp>
     </p:spTree>
     <p:extLst>
       <p:ext uri="{BB962C8B-B14F-4D97-AF65-F5344CB8AC3E}">
-        <p14:creationId xmlns:p14="http://schemas.microsoft.com/office/powerpoint/2010/main" val="2862342564"/>
+        <p14:creationId xmlns:p14="http://schemas.microsoft.com/office/powerpoint/2010/main" val="990449346"/>
       </p:ext>
     </p:extLst>
   </p:cSld>
@@ -4036,7 +5320,7 @@
           <p:cNvPr id="2" name="Inhaltsplatzhalter 1">
             <a:extLst>
               <a:ext uri="{FF2B5EF4-FFF2-40B4-BE49-F238E27FC236}">
-                <a16:creationId xmlns:a16="http://schemas.microsoft.com/office/drawing/2014/main" id="{6DFE8F02-05DE-485F-8FB7-D54CAFDF5CCC}"/>
+                <a16:creationId xmlns:a16="http://schemas.microsoft.com/office/drawing/2014/main" id="{4CCA1AFE-57B9-465E-90D7-F00413DD9E8C}"/>
               </a:ext>
             </a:extLst>
           </p:cNvPr>
@@ -4052,7 +5336,31 @@
           <a:bodyPr/>
           <a:lstStyle/>
           <a:p>
-            <a:endParaRPr lang="de-DE"/>
+            <a:r>
+              <a:rPr lang="de-DE" dirty="0"/>
+              <a:t>Generator erzeugt Bilder</a:t>
+            </a:r>
+          </a:p>
+          <a:p>
+            <a:r>
+              <a:rPr lang="de-DE" dirty="0"/>
+              <a:t>Diskriminator bewertet diese Bilder in dem er sie von echten Bildern unterscheiden muss</a:t>
+            </a:r>
+          </a:p>
+          <a:p>
+            <a:r>
+              <a:rPr lang="de-DE" dirty="0"/>
+              <a:t>Durch den Wettbewerb verbessert sich die Qualität der Bilder</a:t>
+            </a:r>
+          </a:p>
+          <a:p>
+            <a:endParaRPr lang="de-DE" dirty="0"/>
+          </a:p>
+          <a:p>
+            <a:r>
+              <a:rPr lang="de-DE" dirty="0"/>
+              <a:t>GANs sind besonders gut in Details und werden daher verwendet um generierte Bilder zu verbessern</a:t>
+            </a:r>
           </a:p>
         </p:txBody>
       </p:sp>
@@ -4061,7 +5369,7 @@
           <p:cNvPr id="3" name="Titel 2">
             <a:extLst>
               <a:ext uri="{FF2B5EF4-FFF2-40B4-BE49-F238E27FC236}">
-                <a16:creationId xmlns:a16="http://schemas.microsoft.com/office/drawing/2014/main" id="{38B7A1D5-AC27-4E87-BB6F-5E6F059AB9D9}"/>
+                <a16:creationId xmlns:a16="http://schemas.microsoft.com/office/drawing/2014/main" id="{7BB74384-0FF9-4C06-A406-7DF8AD65993A}"/>
               </a:ext>
             </a:extLst>
           </p:cNvPr>
@@ -4081,13 +5389,16 @@
           <a:p>
             <a:r>
               <a:rPr lang="de-DE" dirty="0"/>
-              <a:t>Workflow – </a:t>
+              <a:t>Technologische Grundlagen – Generative </a:t>
             </a:r>
             <a:r>
               <a:rPr lang="de-DE" dirty="0" err="1"/>
-              <a:t>DeepFaceLab</a:t>
-            </a:r>
-            <a:endParaRPr lang="de-DE" dirty="0"/>
+              <a:t>Adversarial</a:t>
+            </a:r>
+            <a:r>
+              <a:rPr lang="de-DE" dirty="0"/>
+              <a:t> Network</a:t>
+            </a:r>
           </a:p>
         </p:txBody>
       </p:sp>
@@ -4096,7 +5407,7 @@
           <p:cNvPr id="4" name="Datumsplatzhalter 3">
             <a:extLst>
               <a:ext uri="{FF2B5EF4-FFF2-40B4-BE49-F238E27FC236}">
-                <a16:creationId xmlns:a16="http://schemas.microsoft.com/office/drawing/2014/main" id="{68A5F01D-A990-4038-B85B-BA1E16A29385}"/>
+                <a16:creationId xmlns:a16="http://schemas.microsoft.com/office/drawing/2014/main" id="{BE02B8BB-5F54-42DD-8FF6-A19FCA889A68}"/>
               </a:ext>
             </a:extLst>
           </p:cNvPr>
@@ -4125,7 +5436,7 @@
           <p:cNvPr id="5" name="Foliennummernplatzhalter 4">
             <a:extLst>
               <a:ext uri="{FF2B5EF4-FFF2-40B4-BE49-F238E27FC236}">
-                <a16:creationId xmlns:a16="http://schemas.microsoft.com/office/drawing/2014/main" id="{5B76F281-F254-426A-929A-3CCB68F891E5}"/>
+                <a16:creationId xmlns:a16="http://schemas.microsoft.com/office/drawing/2014/main" id="{798D1F6C-A64D-4E3D-8CDC-D65D17E816F7}"/>
               </a:ext>
             </a:extLst>
           </p:cNvPr>
@@ -4152,7 +5463,7 @@
     </p:spTree>
     <p:extLst>
       <p:ext uri="{BB962C8B-B14F-4D97-AF65-F5344CB8AC3E}">
-        <p14:creationId xmlns:p14="http://schemas.microsoft.com/office/powerpoint/2010/main" val="3348532441"/>
+        <p14:creationId xmlns:p14="http://schemas.microsoft.com/office/powerpoint/2010/main" val="175579648"/>
       </p:ext>
     </p:extLst>
   </p:cSld>
@@ -4184,7 +5495,7 @@
           <p:cNvPr id="2" name="Inhaltsplatzhalter 1">
             <a:extLst>
               <a:ext uri="{FF2B5EF4-FFF2-40B4-BE49-F238E27FC236}">
-                <a16:creationId xmlns:a16="http://schemas.microsoft.com/office/drawing/2014/main" id="{4FF33514-905F-478B-B086-4C17FB7A8AF9}"/>
+                <a16:creationId xmlns:a16="http://schemas.microsoft.com/office/drawing/2014/main" id="{E8D058E1-3336-473D-A226-FA253815464C}"/>
               </a:ext>
             </a:extLst>
           </p:cNvPr>
@@ -4200,7 +5511,62 @@
           <a:bodyPr/>
           <a:lstStyle/>
           <a:p>
-            <a:endParaRPr lang="de-DE"/>
+            <a:r>
+              <a:rPr lang="de-DE" dirty="0"/>
+              <a:t>Risiken</a:t>
+            </a:r>
+          </a:p>
+          <a:p>
+            <a:pPr lvl="1"/>
+            <a:r>
+              <a:rPr lang="de-DE" dirty="0"/>
+              <a:t>Verbreitung von Fehlinformationen</a:t>
+            </a:r>
+          </a:p>
+          <a:p>
+            <a:pPr lvl="1"/>
+            <a:r>
+              <a:rPr lang="de-DE" dirty="0"/>
+              <a:t>Rufschädigung</a:t>
+            </a:r>
+          </a:p>
+          <a:p>
+            <a:pPr lvl="1"/>
+            <a:r>
+              <a:rPr lang="de-DE" dirty="0" err="1"/>
+              <a:t>Social</a:t>
+            </a:r>
+            <a:r>
+              <a:rPr lang="de-DE" dirty="0"/>
+              <a:t> Engineering</a:t>
+            </a:r>
+          </a:p>
+          <a:p>
+            <a:pPr marL="0" indent="0">
+              <a:buNone/>
+            </a:pPr>
+            <a:endParaRPr lang="de-DE" dirty="0"/>
+          </a:p>
+          <a:p>
+            <a:r>
+              <a:rPr lang="de-DE" dirty="0"/>
+              <a:t>Erkennungsmethoden sind noch nicht Standard</a:t>
+            </a:r>
+          </a:p>
+          <a:p>
+            <a:r>
+              <a:rPr lang="de-DE" dirty="0"/>
+              <a:t>Schulung ist wichtig</a:t>
+            </a:r>
+          </a:p>
+          <a:p>
+            <a:endParaRPr lang="de-DE" dirty="0"/>
+          </a:p>
+          <a:p>
+            <a:r>
+              <a:rPr lang="de-DE" dirty="0"/>
+              <a:t>Durch das Vorantreiben dieser Techniken steigt die Awareness und Erkennungsmethoden können ebenfalls verbessert werden</a:t>
+            </a:r>
           </a:p>
         </p:txBody>
       </p:sp>
@@ -4209,7 +5575,7 @@
           <p:cNvPr id="3" name="Titel 2">
             <a:extLst>
               <a:ext uri="{FF2B5EF4-FFF2-40B4-BE49-F238E27FC236}">
-                <a16:creationId xmlns:a16="http://schemas.microsoft.com/office/drawing/2014/main" id="{9C9ACACA-A21E-4595-A220-DC136182A77C}"/>
+                <a16:creationId xmlns:a16="http://schemas.microsoft.com/office/drawing/2014/main" id="{0CEFC332-BF7E-4B2E-AED7-A2F766A67F60}"/>
               </a:ext>
             </a:extLst>
           </p:cNvPr>
@@ -4227,13 +5593,8 @@
           <a:p>
             <a:r>
               <a:rPr lang="de-DE" dirty="0"/>
-              <a:t>Workflow – </a:t>
-            </a:r>
-            <a:r>
-              <a:rPr lang="de-DE" dirty="0" err="1"/>
-              <a:t>DeepFaceLive</a:t>
-            </a:r>
-            <a:endParaRPr lang="de-DE" dirty="0"/>
+              <a:t>Ethik</a:t>
+            </a:r>
           </a:p>
         </p:txBody>
       </p:sp>
@@ -4242,7 +5603,7 @@
           <p:cNvPr id="4" name="Datumsplatzhalter 3">
             <a:extLst>
               <a:ext uri="{FF2B5EF4-FFF2-40B4-BE49-F238E27FC236}">
-                <a16:creationId xmlns:a16="http://schemas.microsoft.com/office/drawing/2014/main" id="{CE7962B1-565E-4D88-9AAC-D6BC18C21BDE}"/>
+                <a16:creationId xmlns:a16="http://schemas.microsoft.com/office/drawing/2014/main" id="{9D9CD450-7683-4F7B-B18D-BC52143487B0}"/>
               </a:ext>
             </a:extLst>
           </p:cNvPr>
@@ -4271,7 +5632,7 @@
           <p:cNvPr id="5" name="Foliennummernplatzhalter 4">
             <a:extLst>
               <a:ext uri="{FF2B5EF4-FFF2-40B4-BE49-F238E27FC236}">
-                <a16:creationId xmlns:a16="http://schemas.microsoft.com/office/drawing/2014/main" id="{18BC718F-297F-4391-B75D-9E80EF448277}"/>
+                <a16:creationId xmlns:a16="http://schemas.microsoft.com/office/drawing/2014/main" id="{563F61F1-10CC-4438-B9B1-416622D82D8C}"/>
               </a:ext>
             </a:extLst>
           </p:cNvPr>
@@ -4298,7 +5659,7 @@
     </p:spTree>
     <p:extLst>
       <p:ext uri="{BB962C8B-B14F-4D97-AF65-F5344CB8AC3E}">
-        <p14:creationId xmlns:p14="http://schemas.microsoft.com/office/powerpoint/2010/main" val="3834013177"/>
+        <p14:creationId xmlns:p14="http://schemas.microsoft.com/office/powerpoint/2010/main" val="2862342564"/>
       </p:ext>
     </p:extLst>
   </p:cSld>

--- a/Praesentationen/Video-Deepfakes.pptx
+++ b/Praesentationen/Video-Deepfakes.pptx
@@ -2955,9 +2955,16 @@
             <p:ph type="ctrTitle"/>
           </p:nvPr>
         </p:nvSpPr>
-        <p:spPr/>
-        <p:txBody>
-          <a:bodyPr/>
+        <p:spPr>
+          <a:xfrm>
+            <a:off x="2421467" y="1782200"/>
+            <a:ext cx="9015159" cy="2556470"/>
+          </a:xfrm>
+        </p:spPr>
+        <p:txBody>
+          <a:bodyPr>
+            <a:normAutofit/>
+          </a:bodyPr>
           <a:lstStyle/>
           <a:p>
             <a:pPr eaLnBrk="1" hangingPunct="1"/>
@@ -2965,6 +2972,28 @@
               <a:rPr lang="de-DE" dirty="0"/>
               <a:t>Video Deepfakes</a:t>
             </a:r>
+            <a:br>
+              <a:rPr lang="de-DE" dirty="0"/>
+            </a:br>
+            <a:br>
+              <a:rPr lang="de-DE" dirty="0"/>
+            </a:br>
+            <a:br>
+              <a:rPr lang="de-DE" dirty="0"/>
+            </a:br>
+            <a:r>
+              <a:rPr lang="de-DE" sz="2000" dirty="0"/>
+              <a:t>Projektarbeit: Deepfakes und </a:t>
+            </a:r>
+            <a:r>
+              <a:rPr lang="de-DE" sz="2000" dirty="0" err="1"/>
+              <a:t>Social</a:t>
+            </a:r>
+            <a:r>
+              <a:rPr lang="de-DE" sz="2000" dirty="0"/>
+              <a:t> Engineering</a:t>
+            </a:r>
+            <a:endParaRPr lang="de-DE" dirty="0"/>
           </a:p>
         </p:txBody>
       </p:sp>
